--- a/객체UML/4_객체UML(클래스관계-문제해결).pptx
+++ b/객체UML/4_객체UML(클래스관계-문제해결).pptx
@@ -232,7 +232,7 @@
           <a:p>
             <a:fld id="{4F4BDD88-E5D9-4E70-A448-3556BB33AA72}" type="datetimeFigureOut">
               <a:rPr lang="ko-KR" altLang="en-US" smtClean="0"/>
-              <a:t>2019-09-03</a:t>
+              <a:t>2019-10-10</a:t>
             </a:fld>
             <a:endParaRPr lang="ko-KR" altLang="en-US"/>
           </a:p>
@@ -1051,7 +1051,7 @@
           <a:p>
             <a:fld id="{443EFB69-F0EC-4822-AE63-00EAEBE003EB}" type="datetime1">
               <a:rPr lang="ko-KR" altLang="en-US" smtClean="0"/>
-              <a:t>2019-09-03</a:t>
+              <a:t>2019-10-10</a:t>
             </a:fld>
             <a:endParaRPr lang="ko-KR" altLang="en-US"/>
           </a:p>
@@ -1314,7 +1314,7 @@
           <a:p>
             <a:fld id="{CE59A610-291F-4FCD-B6D1-E1AEA4C57316}" type="datetime1">
               <a:rPr lang="ko-KR" altLang="en-US" smtClean="0"/>
-              <a:t>2019-09-03</a:t>
+              <a:t>2019-10-10</a:t>
             </a:fld>
             <a:endParaRPr lang="ko-KR" altLang="en-US"/>
           </a:p>
@@ -1499,7 +1499,7 @@
           <a:p>
             <a:fld id="{89B384C2-21DC-451A-85E7-10117E4DEC2C}" type="datetime1">
               <a:rPr lang="ko-KR" altLang="en-US" smtClean="0"/>
-              <a:t>2019-09-03</a:t>
+              <a:t>2019-10-10</a:t>
             </a:fld>
             <a:endParaRPr lang="ko-KR" altLang="en-US"/>
           </a:p>
@@ -1838,7 +1838,7 @@
           <a:p>
             <a:fld id="{D65EF312-86D8-4FC5-AD84-AFC561126411}" type="datetime1">
               <a:rPr lang="ko-KR" altLang="en-US" smtClean="0"/>
-              <a:t>2019-09-03</a:t>
+              <a:t>2019-10-10</a:t>
             </a:fld>
             <a:endParaRPr lang="ko-KR" altLang="en-US"/>
           </a:p>
@@ -2059,7 +2059,7 @@
           <a:p>
             <a:fld id="{6B7AF35F-C316-4D44-BCE1-B5D76FAA6FA6}" type="datetime1">
               <a:rPr lang="ko-KR" altLang="en-US" smtClean="0"/>
-              <a:t>2019-09-03</a:t>
+              <a:t>2019-10-10</a:t>
             </a:fld>
             <a:endParaRPr lang="ko-KR" altLang="en-US"/>
           </a:p>
@@ -2298,7 +2298,7 @@
           <a:p>
             <a:fld id="{A0DCB827-A3CE-435B-A78F-1B24C298D468}" type="datetime1">
               <a:rPr lang="ko-KR" altLang="en-US" smtClean="0"/>
-              <a:t>2019-09-03</a:t>
+              <a:t>2019-10-10</a:t>
             </a:fld>
             <a:endParaRPr lang="ko-KR" altLang="en-US"/>
           </a:p>
@@ -2400,7 +2400,7 @@
           <a:p>
             <a:fld id="{9B04BE9A-83D6-4A93-9424-19DD5CD63289}" type="datetime1">
               <a:rPr lang="ko-KR" altLang="en-US" smtClean="0"/>
-              <a:t>2019-09-03</a:t>
+              <a:t>2019-10-10</a:t>
             </a:fld>
             <a:endParaRPr lang="ko-KR" altLang="en-US"/>
           </a:p>
@@ -2684,7 +2684,7 @@
           <a:p>
             <a:fld id="{88474E88-0905-4806-88EC-3D6908030BD7}" type="datetime1">
               <a:rPr lang="ko-KR" altLang="en-US" smtClean="0"/>
-              <a:t>2019-09-03</a:t>
+              <a:t>2019-10-10</a:t>
             </a:fld>
             <a:endParaRPr lang="ko-KR" altLang="en-US"/>
           </a:p>
@@ -2944,7 +2944,7 @@
           <a:p>
             <a:fld id="{B4BDB3A4-79A6-4700-AF39-4ADF589BD2FC}" type="datetime1">
               <a:rPr lang="ko-KR" altLang="en-US" smtClean="0"/>
-              <a:t>2019-09-03</a:t>
+              <a:t>2019-10-10</a:t>
             </a:fld>
             <a:endParaRPr lang="ko-KR" altLang="en-US"/>
           </a:p>
@@ -3121,7 +3121,7 @@
           <a:p>
             <a:fld id="{2FF580AF-4AF3-4251-B2D1-BA9096D22850}" type="datetime1">
               <a:rPr lang="ko-KR" altLang="en-US" smtClean="0"/>
-              <a:t>2019-09-03</a:t>
+              <a:t>2019-10-10</a:t>
             </a:fld>
             <a:endParaRPr lang="ko-KR" altLang="en-US"/>
           </a:p>
@@ -3341,7 +3341,7 @@
           <a:p>
             <a:fld id="{3427A348-7E7B-460C-8F18-76B7CB69ACC0}" type="datetime1">
               <a:rPr lang="ko-KR" altLang="en-US" smtClean="0"/>
-              <a:t>2019-09-03</a:t>
+              <a:t>2019-10-10</a:t>
             </a:fld>
             <a:endParaRPr lang="ko-KR" altLang="en-US"/>
           </a:p>
@@ -13240,7 +13240,7 @@
         </p:blipFill>
         <p:spPr bwMode="auto">
           <a:xfrm>
-            <a:off x="628648" y="1019331"/>
+            <a:off x="209548" y="882840"/>
             <a:ext cx="7648575" cy="4095750"/>
           </a:xfrm>
           <a:prstGeom prst="rect">
@@ -13607,7 +13607,7 @@
         </p:blipFill>
         <p:spPr>
           <a:xfrm>
-            <a:off x="3354998" y="1219337"/>
+            <a:off x="173648" y="1533662"/>
             <a:ext cx="5358179" cy="5507773"/>
           </a:xfrm>
           <a:prstGeom prst="rect">
